--- a/Trigonometric Interpolation.pptx
+++ b/Trigonometric Interpolation.pptx
@@ -10,8 +10,8 @@
     <p:sldId id="259" r:id="rId4"/>
     <p:sldId id="258" r:id="rId5"/>
     <p:sldId id="260" r:id="rId6"/>
-    <p:sldId id="261" r:id="rId7"/>
-    <p:sldId id="263" r:id="rId8"/>
+    <p:sldId id="263" r:id="rId7"/>
+    <p:sldId id="261" r:id="rId8"/>
     <p:sldId id="264" r:id="rId9"/>
     <p:sldId id="265" r:id="rId10"/>
     <p:sldId id="266" r:id="rId11"/>
@@ -125,6 +125,11 @@
       </a:defRPr>
     </a:lvl9pPr>
   </p:defaultTextStyle>
+  <p:extLst>
+    <p:ext uri="{EFAFB233-063F-42B5-8137-9DF3F51BA10A}">
+      <p15:sldGuideLst xmlns:p15="http://schemas.microsoft.com/office/powerpoint/2012/main"/>
+    </p:ext>
+  </p:extLst>
 </p:presentation>
 </file>
 
@@ -2389,10 +2394,10 @@
         <a:lstStyle/>
         <a:p>
           <a:r>
-            <a:rPr lang="en-US" b="0" i="0"/>
+            <a:rPr lang="en-US" b="0" i="0" dirty="0"/>
             <a:t>Engineering design and analysis:</a:t>
           </a:r>
-          <a:endParaRPr lang="en-US"/>
+          <a:endParaRPr lang="en-US" dirty="0"/>
         </a:p>
       </dgm:t>
     </dgm:pt>
@@ -2500,10 +2505,10 @@
         <a:lstStyle/>
         <a:p>
           <a:r>
-            <a:rPr lang="en-US" b="0" i="0"/>
+            <a:rPr lang="en-US" b="0" i="0" dirty="0"/>
             <a:t>Image and Signal Processing:</a:t>
           </a:r>
-          <a:endParaRPr lang="en-US"/>
+          <a:endParaRPr lang="en-US" dirty="0"/>
         </a:p>
       </dgm:t>
     </dgm:pt>
@@ -2611,10 +2616,10 @@
         <a:lstStyle/>
         <a:p>
           <a:r>
-            <a:rPr lang="en-US" b="0" i="0"/>
+            <a:rPr lang="en-US" b="0" i="0" dirty="0"/>
             <a:t>Geographical Information Systems:</a:t>
           </a:r>
-          <a:endParaRPr lang="en-US"/>
+          <a:endParaRPr lang="en-US" dirty="0"/>
         </a:p>
       </dgm:t>
     </dgm:pt>
@@ -2722,10 +2727,10 @@
         <a:lstStyle/>
         <a:p>
           <a:r>
-            <a:rPr lang="en-US" b="0" i="0"/>
+            <a:rPr lang="en-US" b="0" i="0" dirty="0"/>
             <a:t>Medical imaging and analysis:</a:t>
           </a:r>
-          <a:endParaRPr lang="en-US"/>
+          <a:endParaRPr lang="en-US" dirty="0"/>
         </a:p>
       </dgm:t>
     </dgm:pt>
@@ -4003,10 +4008,10 @@
             <a:buNone/>
           </a:pPr>
           <a:r>
-            <a:rPr lang="en-US" sz="2300" b="0" i="0" kern="1200"/>
+            <a:rPr lang="en-US" sz="2300" b="0" i="0" kern="1200" dirty="0"/>
             <a:t>Engineering design and analysis:</a:t>
           </a:r>
-          <a:endParaRPr lang="en-US" sz="2300" kern="1200"/>
+          <a:endParaRPr lang="en-US" sz="2300" kern="1200" dirty="0"/>
         </a:p>
       </dsp:txBody>
       <dsp:txXfrm>
@@ -4360,10 +4365,10 @@
             <a:buNone/>
           </a:pPr>
           <a:r>
-            <a:rPr lang="en-US" sz="2300" b="0" i="0" kern="1200"/>
+            <a:rPr lang="en-US" sz="2300" b="0" i="0" kern="1200" dirty="0"/>
             <a:t>Image and Signal Processing:</a:t>
           </a:r>
-          <a:endParaRPr lang="en-US" sz="2300" kern="1200"/>
+          <a:endParaRPr lang="en-US" sz="2300" kern="1200" dirty="0"/>
         </a:p>
       </dsp:txBody>
       <dsp:txXfrm>
@@ -4717,10 +4722,10 @@
             <a:buNone/>
           </a:pPr>
           <a:r>
-            <a:rPr lang="en-US" sz="2300" b="0" i="0" kern="1200"/>
+            <a:rPr lang="en-US" sz="2300" b="0" i="0" kern="1200" dirty="0"/>
             <a:t>Geographical Information Systems:</a:t>
           </a:r>
-          <a:endParaRPr lang="en-US" sz="2300" kern="1200"/>
+          <a:endParaRPr lang="en-US" sz="2300" kern="1200" dirty="0"/>
         </a:p>
       </dsp:txBody>
       <dsp:txXfrm>
@@ -5074,10 +5079,10 @@
             <a:buNone/>
           </a:pPr>
           <a:r>
-            <a:rPr lang="en-US" sz="2300" b="0" i="0" kern="1200"/>
+            <a:rPr lang="en-US" sz="2300" b="0" i="0" kern="1200" dirty="0"/>
             <a:t>Medical imaging and analysis:</a:t>
           </a:r>
-          <a:endParaRPr lang="en-US" sz="2300" kern="1200"/>
+          <a:endParaRPr lang="en-US" sz="2300" kern="1200" dirty="0"/>
         </a:p>
       </dsp:txBody>
       <dsp:txXfrm>
@@ -10400,7 +10405,7 @@
           <a:p>
             <a:fld id="{3C04E684-10F4-4CC3-A0B9-F03AA7BE37CF}" type="datetimeFigureOut">
               <a:rPr lang="en-US" smtClean="0"/>
-              <a:t>2/5/2023</a:t>
+              <a:t>2/7/2023</a:t>
             </a:fld>
             <a:endParaRPr lang="en-US"/>
           </a:p>
@@ -12890,7 +12895,7 @@
           <a:p>
             <a:fld id="{3C04E684-10F4-4CC3-A0B9-F03AA7BE37CF}" type="datetimeFigureOut">
               <a:rPr lang="en-US" smtClean="0"/>
-              <a:t>2/5/2023</a:t>
+              <a:t>2/7/2023</a:t>
             </a:fld>
             <a:endParaRPr lang="en-US"/>
           </a:p>
@@ -13088,7 +13093,7 @@
           <a:p>
             <a:fld id="{3C04E684-10F4-4CC3-A0B9-F03AA7BE37CF}" type="datetimeFigureOut">
               <a:rPr lang="en-US" smtClean="0"/>
-              <a:t>2/5/2023</a:t>
+              <a:t>2/7/2023</a:t>
             </a:fld>
             <a:endParaRPr lang="en-US"/>
           </a:p>
@@ -13296,7 +13301,7 @@
           <a:p>
             <a:fld id="{3C04E684-10F4-4CC3-A0B9-F03AA7BE37CF}" type="datetimeFigureOut">
               <a:rPr lang="en-US" smtClean="0"/>
-              <a:t>2/5/2023</a:t>
+              <a:t>2/7/2023</a:t>
             </a:fld>
             <a:endParaRPr lang="en-US"/>
           </a:p>
@@ -14033,7 +14038,7 @@
           <a:p>
             <a:fld id="{3C04E684-10F4-4CC3-A0B9-F03AA7BE37CF}" type="datetimeFigureOut">
               <a:rPr lang="en-US" smtClean="0"/>
-              <a:t>2/5/2023</a:t>
+              <a:t>2/7/2023</a:t>
             </a:fld>
             <a:endParaRPr lang="en-US"/>
           </a:p>
@@ -14675,7 +14680,7 @@
           <a:p>
             <a:fld id="{3C04E684-10F4-4CC3-A0B9-F03AA7BE37CF}" type="datetimeFigureOut">
               <a:rPr lang="en-US" smtClean="0"/>
-              <a:t>2/5/2023</a:t>
+              <a:t>2/7/2023</a:t>
             </a:fld>
             <a:endParaRPr lang="en-US"/>
           </a:p>
@@ -15475,7 +15480,7 @@
           <a:p>
             <a:fld id="{3C04E684-10F4-4CC3-A0B9-F03AA7BE37CF}" type="datetimeFigureOut">
               <a:rPr lang="en-US" smtClean="0"/>
-              <a:t>2/5/2023</a:t>
+              <a:t>2/7/2023</a:t>
             </a:fld>
             <a:endParaRPr lang="en-US"/>
           </a:p>
@@ -16426,7 +16431,7 @@
           <a:p>
             <a:fld id="{3C04E684-10F4-4CC3-A0B9-F03AA7BE37CF}" type="datetimeFigureOut">
               <a:rPr lang="en-US" smtClean="0"/>
-              <a:t>2/5/2023</a:t>
+              <a:t>2/7/2023</a:t>
             </a:fld>
             <a:endParaRPr lang="en-US"/>
           </a:p>
@@ -18775,7 +18780,7 @@
           <a:p>
             <a:fld id="{3C04E684-10F4-4CC3-A0B9-F03AA7BE37CF}" type="datetimeFigureOut">
               <a:rPr lang="en-US" smtClean="0"/>
-              <a:t>2/5/2023</a:t>
+              <a:t>2/7/2023</a:t>
             </a:fld>
             <a:endParaRPr lang="en-US"/>
           </a:p>
@@ -18888,7 +18893,7 @@
           <a:p>
             <a:fld id="{3C04E684-10F4-4CC3-A0B9-F03AA7BE37CF}" type="datetimeFigureOut">
               <a:rPr lang="en-US" smtClean="0"/>
-              <a:t>2/5/2023</a:t>
+              <a:t>2/7/2023</a:t>
             </a:fld>
             <a:endParaRPr lang="en-US"/>
           </a:p>
@@ -19395,7 +19400,7 @@
           <a:p>
             <a:fld id="{3C04E684-10F4-4CC3-A0B9-F03AA7BE37CF}" type="datetimeFigureOut">
               <a:rPr lang="en-US" smtClean="0"/>
-              <a:t>2/5/2023</a:t>
+              <a:t>2/7/2023</a:t>
             </a:fld>
             <a:endParaRPr lang="en-US"/>
           </a:p>
@@ -20698,7 +20703,7 @@
           <a:p>
             <a:fld id="{3C04E684-10F4-4CC3-A0B9-F03AA7BE37CF}" type="datetimeFigureOut">
               <a:rPr lang="en-US" smtClean="0"/>
-              <a:t>2/5/2023</a:t>
+              <a:t>2/7/2023</a:t>
             </a:fld>
             <a:endParaRPr lang="en-US"/>
           </a:p>
@@ -20945,7 +20950,7 @@
           <a:p>
             <a:fld id="{3C04E684-10F4-4CC3-A0B9-F03AA7BE37CF}" type="datetimeFigureOut">
               <a:rPr lang="en-US" smtClean="0"/>
-              <a:t>2/5/2023</a:t>
+              <a:t>2/7/2023</a:t>
             </a:fld>
             <a:endParaRPr lang="en-US"/>
           </a:p>
@@ -22066,8 +22071,8 @@
           </a:p>
         </p:txBody>
       </p:sp>
-      <mc:AlternateContent xmlns:mc="http://schemas.openxmlformats.org/markup-compatibility/2006">
-        <mc:Choice xmlns:a14="http://schemas.microsoft.com/office/drawing/2010/main" Requires="a14">
+      <mc:AlternateContent xmlns:mc="http://schemas.openxmlformats.org/markup-compatibility/2006" xmlns:a14="http://schemas.microsoft.com/office/drawing/2010/main">
+        <mc:Choice Requires="a14">
           <p:sp>
             <p:nvSpPr>
               <p:cNvPr id="3" name="Inhaltsplatzhalter 2">
@@ -22197,7 +22202,7 @@
             </p:txBody>
           </p:sp>
         </mc:Choice>
-        <mc:Fallback>
+        <mc:Fallback xmlns="">
           <p:sp>
             <p:nvSpPr>
               <p:cNvPr id="3" name="Inhaltsplatzhalter 2">
@@ -22427,8 +22432,8 @@
           </a:p>
         </p:txBody>
       </p:sp>
-      <mc:AlternateContent xmlns:mc="http://schemas.openxmlformats.org/markup-compatibility/2006">
-        <mc:Choice xmlns:a14="http://schemas.microsoft.com/office/drawing/2010/main" Requires="a14">
+      <mc:AlternateContent xmlns:mc="http://schemas.openxmlformats.org/markup-compatibility/2006" xmlns:a14="http://schemas.microsoft.com/office/drawing/2010/main">
+        <mc:Choice Requires="a14">
           <p:sp>
             <p:nvSpPr>
               <p:cNvPr id="3" name="Inhaltsplatzhalter 2">
@@ -22620,7 +22625,7 @@
             </p:txBody>
           </p:sp>
         </mc:Choice>
-        <mc:Fallback>
+        <mc:Fallback xmlns="">
           <p:sp>
             <p:nvSpPr>
               <p:cNvPr id="3" name="Inhaltsplatzhalter 2">
@@ -22690,8 +22695,8 @@
           </a:prstGeom>
         </p:spPr>
       </p:pic>
-      <mc:AlternateContent xmlns:mc="http://schemas.openxmlformats.org/markup-compatibility/2006">
-        <mc:Choice xmlns:p14="http://schemas.microsoft.com/office/powerpoint/2010/main" Requires="p14">
+      <mc:AlternateContent xmlns:mc="http://schemas.openxmlformats.org/markup-compatibility/2006" xmlns:p14="http://schemas.microsoft.com/office/powerpoint/2010/main">
+        <mc:Choice Requires="p14">
           <p:contentPart p14:bwMode="auto" r:id="rId4">
             <p14:nvContentPartPr>
               <p14:cNvPr id="6" name="Freihand 5">
@@ -22710,7 +22715,7 @@
             </p14:xfrm>
           </p:contentPart>
         </mc:Choice>
-        <mc:Fallback>
+        <mc:Fallback xmlns="">
           <p:pic>
             <p:nvPicPr>
               <p:cNvPr id="6" name="Freihand 5">
@@ -22741,8 +22746,8 @@
           </p:pic>
         </mc:Fallback>
       </mc:AlternateContent>
-      <mc:AlternateContent xmlns:mc="http://schemas.openxmlformats.org/markup-compatibility/2006">
-        <mc:Choice xmlns:p14="http://schemas.microsoft.com/office/powerpoint/2010/main" Requires="p14">
+      <mc:AlternateContent xmlns:mc="http://schemas.openxmlformats.org/markup-compatibility/2006" xmlns:p14="http://schemas.microsoft.com/office/powerpoint/2010/main">
+        <mc:Choice Requires="p14">
           <p:contentPart p14:bwMode="auto" r:id="rId6">
             <p14:nvContentPartPr>
               <p14:cNvPr id="7" name="Freihand 6">
@@ -22761,7 +22766,7 @@
             </p14:xfrm>
           </p:contentPart>
         </mc:Choice>
-        <mc:Fallback>
+        <mc:Fallback xmlns="">
           <p:pic>
             <p:nvPicPr>
               <p:cNvPr id="7" name="Freihand 6">
@@ -23053,8 +23058,8 @@
           </a:prstGeom>
         </p:spPr>
       </p:pic>
-      <mc:AlternateContent xmlns:mc="http://schemas.openxmlformats.org/markup-compatibility/2006">
-        <mc:Choice xmlns:p14="http://schemas.microsoft.com/office/powerpoint/2010/main" Requires="p14">
+      <mc:AlternateContent xmlns:mc="http://schemas.openxmlformats.org/markup-compatibility/2006" xmlns:p14="http://schemas.microsoft.com/office/powerpoint/2010/main">
+        <mc:Choice Requires="p14">
           <p:contentPart p14:bwMode="auto" r:id="rId3">
             <p14:nvContentPartPr>
               <p14:cNvPr id="6" name="Freihand 5">
@@ -23073,7 +23078,7 @@
             </p14:xfrm>
           </p:contentPart>
         </mc:Choice>
-        <mc:Fallback>
+        <mc:Fallback xmlns="">
           <p:pic>
             <p:nvPicPr>
               <p:cNvPr id="6" name="Freihand 5">
@@ -23376,8 +23381,8 @@
           </a:p>
         </p:txBody>
       </p:sp>
-      <mc:AlternateContent xmlns:mc="http://schemas.openxmlformats.org/markup-compatibility/2006">
-        <mc:Choice xmlns:a14="http://schemas.microsoft.com/office/drawing/2010/main" Requires="a14">
+      <mc:AlternateContent xmlns:mc="http://schemas.openxmlformats.org/markup-compatibility/2006" xmlns:a14="http://schemas.microsoft.com/office/drawing/2010/main">
+        <mc:Choice Requires="a14">
           <p:sp>
             <p:nvSpPr>
               <p:cNvPr id="3" name="Inhaltsplatzhalter 2">
@@ -23608,7 +23613,7 @@
             </p:txBody>
           </p:sp>
         </mc:Choice>
-        <mc:Fallback>
+        <mc:Fallback xmlns="">
           <p:sp>
             <p:nvSpPr>
               <p:cNvPr id="3" name="Inhaltsplatzhalter 2">
@@ -23865,8 +23870,8 @@
           </a:p>
         </p:txBody>
       </p:sp>
-      <mc:AlternateContent xmlns:mc="http://schemas.openxmlformats.org/markup-compatibility/2006">
-        <mc:Choice xmlns:a14="http://schemas.microsoft.com/office/drawing/2010/main" Requires="a14">
+      <mc:AlternateContent xmlns:mc="http://schemas.openxmlformats.org/markup-compatibility/2006" xmlns:a14="http://schemas.microsoft.com/office/drawing/2010/main">
+        <mc:Choice Requires="a14">
           <p:sp>
             <p:nvSpPr>
               <p:cNvPr id="3" name="Inhaltsplatzhalter 2">
@@ -24097,7 +24102,7 @@
             </p:txBody>
           </p:sp>
         </mc:Choice>
-        <mc:Fallback>
+        <mc:Fallback xmlns="">
           <p:sp>
             <p:nvSpPr>
               <p:cNvPr id="3" name="Inhaltsplatzhalter 2">
@@ -24517,8 +24522,8 @@
           </a:p>
         </p:txBody>
       </p:sp>
-      <mc:AlternateContent xmlns:mc="http://schemas.openxmlformats.org/markup-compatibility/2006">
-        <mc:Choice xmlns:a14="http://schemas.microsoft.com/office/drawing/2010/main" Requires="a14">
+      <mc:AlternateContent xmlns:mc="http://schemas.openxmlformats.org/markup-compatibility/2006" xmlns:a14="http://schemas.microsoft.com/office/drawing/2010/main">
+        <mc:Choice Requires="a14">
           <p:sp>
             <p:nvSpPr>
               <p:cNvPr id="3" name="Inhaltsplatzhalter 2">
@@ -24903,7 +24908,7 @@
             </p:txBody>
           </p:sp>
         </mc:Choice>
-        <mc:Fallback>
+        <mc:Fallback xmlns="">
           <p:sp>
             <p:nvSpPr>
               <p:cNvPr id="3" name="Inhaltsplatzhalter 2">
@@ -29015,8 +29020,8 @@
           </a:p>
         </p:txBody>
       </p:sp>
-      <mc:AlternateContent xmlns:mc="http://schemas.openxmlformats.org/markup-compatibility/2006">
-        <mc:Choice xmlns:p14="http://schemas.microsoft.com/office/powerpoint/2010/main" Requires="p14">
+      <mc:AlternateContent xmlns:mc="http://schemas.openxmlformats.org/markup-compatibility/2006" xmlns:p14="http://schemas.microsoft.com/office/powerpoint/2010/main">
+        <mc:Choice Requires="p14">
           <p:contentPart p14:bwMode="auto" r:id="rId4">
             <p14:nvContentPartPr>
               <p14:cNvPr id="15" name="Freihand 14">
@@ -29035,7 +29040,7 @@
             </p14:xfrm>
           </p:contentPart>
         </mc:Choice>
-        <mc:Fallback>
+        <mc:Fallback xmlns="">
           <p:pic>
             <p:nvPicPr>
               <p:cNvPr id="15" name="Freihand 14">
@@ -31114,6 +31119,205 @@
           <p:cNvPr id="2" name="Titel 1">
             <a:extLst>
               <a:ext uri="{FF2B5EF4-FFF2-40B4-BE49-F238E27FC236}">
+                <a16:creationId xmlns:a16="http://schemas.microsoft.com/office/drawing/2014/main" id="{41C37BFE-D56E-2BA6-0E09-B9AEF083C103}"/>
+              </a:ext>
+            </a:extLst>
+          </p:cNvPr>
+          <p:cNvSpPr>
+            <a:spLocks noGrp="1"/>
+          </p:cNvSpPr>
+          <p:nvPr>
+            <p:ph type="title"/>
+          </p:nvPr>
+        </p:nvSpPr>
+        <p:spPr/>
+        <p:txBody>
+          <a:bodyPr/>
+          <a:lstStyle/>
+          <a:p>
+            <a:r>
+              <a:rPr lang="de-AT" dirty="0"/>
+              <a:t>Modeling </a:t>
+            </a:r>
+            <a:r>
+              <a:rPr lang="de-AT" dirty="0" err="1"/>
+              <a:t>Trig</a:t>
+            </a:r>
+            <a:r>
+              <a:rPr lang="de-AT" dirty="0"/>
+              <a:t>. </a:t>
+            </a:r>
+            <a:r>
+              <a:rPr lang="de-AT" dirty="0" err="1"/>
+              <a:t>Functions</a:t>
+            </a:r>
+            <a:r>
+              <a:rPr lang="de-AT" dirty="0"/>
+              <a:t> in ℂ</a:t>
+            </a:r>
+          </a:p>
+        </p:txBody>
+      </p:sp>
+      <p:sp>
+        <p:nvSpPr>
+          <p:cNvPr id="3" name="Inhaltsplatzhalter 2">
+            <a:extLst>
+              <a:ext uri="{FF2B5EF4-FFF2-40B4-BE49-F238E27FC236}">
+                <a16:creationId xmlns:a16="http://schemas.microsoft.com/office/drawing/2014/main" id="{36D2DF0F-82B9-2F0B-C1F2-823E5C3F74EF}"/>
+              </a:ext>
+            </a:extLst>
+          </p:cNvPr>
+          <p:cNvSpPr>
+            <a:spLocks noGrp="1"/>
+          </p:cNvSpPr>
+          <p:nvPr>
+            <p:ph idx="1"/>
+          </p:nvPr>
+        </p:nvSpPr>
+        <p:spPr/>
+        <p:txBody>
+          <a:bodyPr/>
+          <a:lstStyle/>
+          <a:p>
+            <a:pPr marL="0" indent="0">
+              <a:buNone/>
+            </a:pPr>
+            <a:r>
+              <a:rPr lang="de-AT" dirty="0"/>
+              <a:t>GeoGebra Demo-Time:</a:t>
+            </a:r>
+          </a:p>
+          <a:p>
+            <a:pPr marL="0" indent="0">
+              <a:buNone/>
+            </a:pPr>
+            <a:r>
+              <a:rPr lang="de-AT" dirty="0">
+                <a:hlinkClick r:id="rId2"/>
+              </a:rPr>
+              <a:t>https://www.geogebra.org/calculator/c4hgvp5f</a:t>
+            </a:r>
+            <a:endParaRPr lang="de-AT" dirty="0"/>
+          </a:p>
+        </p:txBody>
+      </p:sp>
+      <p:pic>
+        <p:nvPicPr>
+          <p:cNvPr id="5" name="Grafik 4">
+            <a:extLst>
+              <a:ext uri="{FF2B5EF4-FFF2-40B4-BE49-F238E27FC236}">
+                <a16:creationId xmlns:a16="http://schemas.microsoft.com/office/drawing/2014/main" id="{C85DB6F6-6BC1-4420-5F15-049FF4F81735}"/>
+              </a:ext>
+            </a:extLst>
+          </p:cNvPr>
+          <p:cNvPicPr>
+            <a:picLocks noChangeAspect="1"/>
+          </p:cNvPicPr>
+          <p:nvPr/>
+        </p:nvPicPr>
+        <p:blipFill>
+          <a:blip r:embed="rId3"/>
+          <a:stretch>
+            <a:fillRect/>
+          </a:stretch>
+        </p:blipFill>
+        <p:spPr>
+          <a:xfrm>
+            <a:off x="4238366" y="3175365"/>
+            <a:ext cx="3715268" cy="3124636"/>
+          </a:xfrm>
+          <a:prstGeom prst="rect">
+            <a:avLst/>
+          </a:prstGeom>
+        </p:spPr>
+      </p:pic>
+      <p:sp>
+        <p:nvSpPr>
+          <p:cNvPr id="6" name="Textfeld 5">
+            <a:extLst>
+              <a:ext uri="{FF2B5EF4-FFF2-40B4-BE49-F238E27FC236}">
+                <a16:creationId xmlns:a16="http://schemas.microsoft.com/office/drawing/2014/main" id="{B0CEECDD-3E72-6629-092C-C2BF90FEEAB8}"/>
+              </a:ext>
+            </a:extLst>
+          </p:cNvPr>
+          <p:cNvSpPr txBox="1"/>
+          <p:nvPr/>
+        </p:nvSpPr>
+        <p:spPr>
+          <a:xfrm>
+            <a:off x="0" y="6374884"/>
+            <a:ext cx="12192000" cy="369332"/>
+          </a:xfrm>
+          <a:prstGeom prst="rect">
+            <a:avLst/>
+          </a:prstGeom>
+          <a:noFill/>
+        </p:spPr>
+        <p:txBody>
+          <a:bodyPr wrap="square" rtlCol="0">
+            <a:spAutoFit/>
+          </a:bodyPr>
+          <a:lstStyle/>
+          <a:p>
+            <a:pPr algn="ctr"/>
+            <a:r>
+              <a:rPr lang="de-AT" dirty="0" err="1"/>
+              <a:t>Definitions</a:t>
+            </a:r>
+            <a:r>
+              <a:rPr lang="de-AT" dirty="0"/>
+              <a:t> – Motivation – </a:t>
+            </a:r>
+            <a:r>
+              <a:rPr lang="de-AT" b="1" dirty="0" err="1"/>
+              <a:t>Function</a:t>
+            </a:r>
+            <a:r>
+              <a:rPr lang="de-AT" b="1" dirty="0"/>
+              <a:t> Approximation </a:t>
+            </a:r>
+            <a:r>
+              <a:rPr lang="de-AT" dirty="0"/>
+              <a:t>– Lagrange Approximation – Code Demo</a:t>
+            </a:r>
+          </a:p>
+        </p:txBody>
+      </p:sp>
+    </p:spTree>
+    <p:extLst>
+      <p:ext uri="{BB962C8B-B14F-4D97-AF65-F5344CB8AC3E}">
+        <p14:creationId xmlns:p14="http://schemas.microsoft.com/office/powerpoint/2010/main" val="1675456488"/>
+      </p:ext>
+    </p:extLst>
+  </p:cSld>
+  <p:clrMapOvr>
+    <a:masterClrMapping/>
+  </p:clrMapOvr>
+</p:sld>
+</file>
+
+<file path=ppt/slides/slide7.xml><?xml version="1.0" encoding="utf-8"?>
+<p:sld xmlns:a="http://schemas.openxmlformats.org/drawingml/2006/main" xmlns:r="http://schemas.openxmlformats.org/officeDocument/2006/relationships" xmlns:p="http://schemas.openxmlformats.org/presentationml/2006/main">
+  <p:cSld>
+    <p:spTree>
+      <p:nvGrpSpPr>
+        <p:cNvPr id="1" name=""/>
+        <p:cNvGrpSpPr/>
+        <p:nvPr/>
+      </p:nvGrpSpPr>
+      <p:grpSpPr>
+        <a:xfrm>
+          <a:off x="0" y="0"/>
+          <a:ext cx="0" cy="0"/>
+          <a:chOff x="0" y="0"/>
+          <a:chExt cx="0" cy="0"/>
+        </a:xfrm>
+      </p:grpSpPr>
+      <p:sp>
+        <p:nvSpPr>
+          <p:cNvPr id="2" name="Titel 1">
+            <a:extLst>
+              <a:ext uri="{FF2B5EF4-FFF2-40B4-BE49-F238E27FC236}">
                 <a16:creationId xmlns:a16="http://schemas.microsoft.com/office/drawing/2014/main" id="{F1CE0BBD-4481-C563-58CF-2D3C545F5F51}"/>
               </a:ext>
             </a:extLst>
@@ -31175,18 +31379,27 @@
                 <p:ph idx="1"/>
               </p:nvPr>
             </p:nvSpPr>
-            <p:spPr/>
+            <p:spPr>
+              <a:xfrm>
+                <a:off x="838200" y="2011680"/>
+                <a:ext cx="8456802" cy="4160520"/>
+              </a:xfrm>
+            </p:spPr>
             <p:txBody>
               <a:bodyPr/>
               <a:lstStyle/>
               <a:p>
                 <a:r>
+                  <a:rPr lang="de-AT" b="1" dirty="0"/>
+                  <a:t>Fourier Series: </a:t>
+                </a:r>
+                <a:r>
                   <a:rPr lang="de-AT" dirty="0"/>
-                  <a:t>Every </a:t>
+                  <a:t>Any </a:t>
                 </a:r>
                 <a:r>
                   <a:rPr lang="de-AT" dirty="0" err="1"/>
-                  <a:t>set</a:t>
+                  <a:t>periodic</a:t>
                 </a:r>
                 <a:r>
                   <a:rPr lang="de-AT" dirty="0"/>
@@ -31194,51 +31407,11 @@
                 </a:r>
                 <a:r>
                   <a:rPr lang="de-AT" dirty="0" err="1"/>
-                  <a:t>of</a:t>
+                  <a:t>function</a:t>
                 </a:r>
                 <a:r>
                   <a:rPr lang="de-AT" dirty="0"/>
                   <a:t> </a:t>
-                </a:r>
-                <a:r>
-                  <a:rPr lang="de-AT" dirty="0" err="1"/>
-                  <a:t>compositions</a:t>
-                </a:r>
-                <a:r>
-                  <a:rPr lang="de-AT" dirty="0"/>
-                  <a:t> </a:t>
-                </a:r>
-                <a:r>
-                  <a:rPr lang="de-AT" dirty="0" err="1"/>
-                  <a:t>of</a:t>
-                </a:r>
-                <a:r>
-                  <a:rPr lang="de-AT" dirty="0"/>
-                  <a:t> </a:t>
-                </a:r>
-                <a:r>
-                  <a:rPr lang="de-AT" i="1" dirty="0"/>
-                  <a:t>sin</a:t>
-                </a:r>
-                <a:r>
-                  <a:rPr lang="de-AT" dirty="0"/>
-                  <a:t> and </a:t>
-                </a:r>
-                <a:r>
-                  <a:rPr lang="de-AT" i="1" dirty="0"/>
-                  <a:t>cos</a:t>
-                </a:r>
-                <a:r>
-                  <a:rPr lang="de-AT" dirty="0"/>
-                  <a:t> (</a:t>
-                </a:r>
-                <a:r>
-                  <a:rPr lang="de-AT" dirty="0" err="1"/>
-                  <a:t>Trigonometric</a:t>
-                </a:r>
-                <a:r>
-                  <a:rPr lang="de-AT" dirty="0"/>
-                  <a:t> Polynomial) </a:t>
                 </a:r>
                 <a:r>
                   <a:rPr lang="de-AT" dirty="0" err="1"/>
@@ -31258,7 +31431,7 @@
                 </a:r>
                 <a:r>
                   <a:rPr lang="de-AT" dirty="0" err="1"/>
-                  <a:t>described</a:t>
+                  <a:t>approximated</a:t>
                 </a:r>
                 <a:r>
                   <a:rPr lang="de-AT" dirty="0"/>
@@ -31493,14 +31666,18 @@
                       <m:t>, 1</m:t>
                     </m:r>
                     <m:r>
-                      <a:rPr lang="de-AT" b="0" i="1" smtClean="0"/>
+                      <a:rPr lang="de-AT" b="0" i="1" smtClean="0">
+                        <a:latin typeface="Cambria Math" panose="02040503050406030204" pitchFamily="18" charset="0"/>
+                      </a:rPr>
                       <m:t>≤</m:t>
                     </m:r>
                     <m:r>
                       <m:rPr>
                         <m:sty m:val="p"/>
                       </m:rPr>
-                      <a:rPr lang="de-AT" b="0" i="1" smtClean="0"/>
+                      <a:rPr lang="de-AT" b="0" i="1" smtClean="0">
+                        <a:latin typeface="Cambria Math" panose="02040503050406030204" pitchFamily="18" charset="0"/>
+                      </a:rPr>
                       <m:t>i</m:t>
                     </m:r>
                     <m:r>
@@ -31543,10 +31720,14 @@
               </p:nvPr>
             </p:nvSpPr>
             <p:spPr>
+              <a:xfrm>
+                <a:off x="838200" y="2011680"/>
+                <a:ext cx="8456802" cy="4160520"/>
+              </a:xfrm>
               <a:blipFill>
                 <a:blip r:embed="rId2"/>
                 <a:stretch>
-                  <a:fillRect l="-1043" t="-1464"/>
+                  <a:fillRect l="-1298" t="-1464"/>
                 </a:stretch>
               </a:blipFill>
             </p:spPr>
@@ -31622,7 +31803,7 @@
         </p:blipFill>
         <p:spPr>
           <a:xfrm>
-            <a:off x="3128614" y="3282354"/>
+            <a:off x="1593429" y="3120651"/>
             <a:ext cx="5934771" cy="1296099"/>
           </a:xfrm>
           <a:prstGeom prst="rect">
@@ -31682,129 +31863,12 @@
           </a:p>
         </p:txBody>
       </p:sp>
-    </p:spTree>
-    <p:extLst>
-      <p:ext uri="{BB962C8B-B14F-4D97-AF65-F5344CB8AC3E}">
-        <p14:creationId xmlns:p14="http://schemas.microsoft.com/office/powerpoint/2010/main" val="236407594"/>
-      </p:ext>
-    </p:extLst>
-  </p:cSld>
-  <p:clrMapOvr>
-    <a:masterClrMapping/>
-  </p:clrMapOvr>
-</p:sld>
-</file>
-
-<file path=ppt/slides/slide7.xml><?xml version="1.0" encoding="utf-8"?>
-<p:sld xmlns:a="http://schemas.openxmlformats.org/drawingml/2006/main" xmlns:r="http://schemas.openxmlformats.org/officeDocument/2006/relationships" xmlns:p="http://schemas.openxmlformats.org/presentationml/2006/main">
-  <p:cSld>
-    <p:spTree>
-      <p:nvGrpSpPr>
-        <p:cNvPr id="1" name=""/>
-        <p:cNvGrpSpPr/>
-        <p:nvPr/>
-      </p:nvGrpSpPr>
-      <p:grpSpPr>
-        <a:xfrm>
-          <a:off x="0" y="0"/>
-          <a:ext cx="0" cy="0"/>
-          <a:chOff x="0" y="0"/>
-          <a:chExt cx="0" cy="0"/>
-        </a:xfrm>
-      </p:grpSpPr>
-      <p:sp>
-        <p:nvSpPr>
-          <p:cNvPr id="2" name="Titel 1">
+      <p:pic>
+        <p:nvPicPr>
+          <p:cNvPr id="4" name="Grafik 3">
             <a:extLst>
               <a:ext uri="{FF2B5EF4-FFF2-40B4-BE49-F238E27FC236}">
-                <a16:creationId xmlns:a16="http://schemas.microsoft.com/office/drawing/2014/main" id="{41C37BFE-D56E-2BA6-0E09-B9AEF083C103}"/>
-              </a:ext>
-            </a:extLst>
-          </p:cNvPr>
-          <p:cNvSpPr>
-            <a:spLocks noGrp="1"/>
-          </p:cNvSpPr>
-          <p:nvPr>
-            <p:ph type="title"/>
-          </p:nvPr>
-        </p:nvSpPr>
-        <p:spPr/>
-        <p:txBody>
-          <a:bodyPr/>
-          <a:lstStyle/>
-          <a:p>
-            <a:r>
-              <a:rPr lang="de-AT" dirty="0"/>
-              <a:t>Modeling </a:t>
-            </a:r>
-            <a:r>
-              <a:rPr lang="de-AT" dirty="0" err="1"/>
-              <a:t>Trig</a:t>
-            </a:r>
-            <a:r>
-              <a:rPr lang="de-AT" dirty="0"/>
-              <a:t>. </a:t>
-            </a:r>
-            <a:r>
-              <a:rPr lang="de-AT" dirty="0" err="1"/>
-              <a:t>Functions</a:t>
-            </a:r>
-            <a:r>
-              <a:rPr lang="de-AT" dirty="0"/>
-              <a:t> in ℂ</a:t>
-            </a:r>
-          </a:p>
-        </p:txBody>
-      </p:sp>
-      <p:sp>
-        <p:nvSpPr>
-          <p:cNvPr id="3" name="Inhaltsplatzhalter 2">
-            <a:extLst>
-              <a:ext uri="{FF2B5EF4-FFF2-40B4-BE49-F238E27FC236}">
-                <a16:creationId xmlns:a16="http://schemas.microsoft.com/office/drawing/2014/main" id="{36D2DF0F-82B9-2F0B-C1F2-823E5C3F74EF}"/>
-              </a:ext>
-            </a:extLst>
-          </p:cNvPr>
-          <p:cNvSpPr>
-            <a:spLocks noGrp="1"/>
-          </p:cNvSpPr>
-          <p:nvPr>
-            <p:ph idx="1"/>
-          </p:nvPr>
-        </p:nvSpPr>
-        <p:spPr/>
-        <p:txBody>
-          <a:bodyPr/>
-          <a:lstStyle/>
-          <a:p>
-            <a:pPr marL="0" indent="0">
-              <a:buNone/>
-            </a:pPr>
-            <a:r>
-              <a:rPr lang="de-AT" dirty="0"/>
-              <a:t>GeoGebra Demo-Time:</a:t>
-            </a:r>
-          </a:p>
-          <a:p>
-            <a:pPr marL="0" indent="0">
-              <a:buNone/>
-            </a:pPr>
-            <a:r>
-              <a:rPr lang="de-AT" dirty="0">
-                <a:hlinkClick r:id="rId2"/>
-              </a:rPr>
-              <a:t>https://www.geogebra.org/calculator/c4hgvp5f</a:t>
-            </a:r>
-            <a:endParaRPr lang="de-AT" dirty="0"/>
-          </a:p>
-        </p:txBody>
-      </p:sp>
-      <p:pic>
-        <p:nvPicPr>
-          <p:cNvPr id="5" name="Grafik 4">
-            <a:extLst>
-              <a:ext uri="{FF2B5EF4-FFF2-40B4-BE49-F238E27FC236}">
-                <a16:creationId xmlns:a16="http://schemas.microsoft.com/office/drawing/2014/main" id="{C85DB6F6-6BC1-4420-5F15-049FF4F81735}"/>
+                <a16:creationId xmlns:a16="http://schemas.microsoft.com/office/drawing/2014/main" id="{AC5E1FCD-6611-27AD-D2BF-15A4F7A37151}"/>
               </a:ext>
             </a:extLst>
           </p:cNvPr>
@@ -31814,77 +31878,25 @@
           <p:nvPr/>
         </p:nvPicPr>
         <p:blipFill>
-          <a:blip r:embed="rId3"/>
+          <a:blip r:embed="rId4"/>
           <a:stretch>
             <a:fillRect/>
           </a:stretch>
         </p:blipFill>
         <p:spPr>
           <a:xfrm>
-            <a:off x="4238366" y="3175365"/>
-            <a:ext cx="3715268" cy="3124636"/>
+            <a:off x="9022363" y="2785358"/>
+            <a:ext cx="2826733" cy="2290091"/>
           </a:xfrm>
           <a:prstGeom prst="rect">
             <a:avLst/>
           </a:prstGeom>
         </p:spPr>
       </p:pic>
-      <p:sp>
-        <p:nvSpPr>
-          <p:cNvPr id="6" name="Textfeld 5">
-            <a:extLst>
-              <a:ext uri="{FF2B5EF4-FFF2-40B4-BE49-F238E27FC236}">
-                <a16:creationId xmlns:a16="http://schemas.microsoft.com/office/drawing/2014/main" id="{B0CEECDD-3E72-6629-092C-C2BF90FEEAB8}"/>
-              </a:ext>
-            </a:extLst>
-          </p:cNvPr>
-          <p:cNvSpPr txBox="1"/>
-          <p:nvPr/>
-        </p:nvSpPr>
-        <p:spPr>
-          <a:xfrm>
-            <a:off x="0" y="6374884"/>
-            <a:ext cx="12192000" cy="369332"/>
-          </a:xfrm>
-          <a:prstGeom prst="rect">
-            <a:avLst/>
-          </a:prstGeom>
-          <a:noFill/>
-        </p:spPr>
-        <p:txBody>
-          <a:bodyPr wrap="square" rtlCol="0">
-            <a:spAutoFit/>
-          </a:bodyPr>
-          <a:lstStyle/>
-          <a:p>
-            <a:pPr algn="ctr"/>
-            <a:r>
-              <a:rPr lang="de-AT" dirty="0" err="1"/>
-              <a:t>Definitions</a:t>
-            </a:r>
-            <a:r>
-              <a:rPr lang="de-AT" dirty="0"/>
-              <a:t> – Motivation – </a:t>
-            </a:r>
-            <a:r>
-              <a:rPr lang="de-AT" b="1" dirty="0" err="1"/>
-              <a:t>Function</a:t>
-            </a:r>
-            <a:r>
-              <a:rPr lang="de-AT" b="1" dirty="0"/>
-              <a:t> Approximation </a:t>
-            </a:r>
-            <a:r>
-              <a:rPr lang="de-AT" dirty="0"/>
-              <a:t>– Lagrange Approximation – Code Demo</a:t>
-            </a:r>
-          </a:p>
-        </p:txBody>
-      </p:sp>
     </p:spTree>
     <p:extLst>
       <p:ext uri="{BB962C8B-B14F-4D97-AF65-F5344CB8AC3E}">
-        <p14:creationId xmlns:p14="http://schemas.microsoft.com/office/powerpoint/2010/main" val="1675456488"/>
+        <p14:creationId xmlns:p14="http://schemas.microsoft.com/office/powerpoint/2010/main" val="236407594"/>
       </p:ext>
     </p:extLst>
   </p:cSld>
@@ -32204,8 +32216,8 @@
           </a:p>
         </p:txBody>
       </p:sp>
-      <mc:AlternateContent xmlns:mc="http://schemas.openxmlformats.org/markup-compatibility/2006">
-        <mc:Choice xmlns:a14="http://schemas.microsoft.com/office/drawing/2010/main" Requires="a14">
+      <mc:AlternateContent xmlns:mc="http://schemas.openxmlformats.org/markup-compatibility/2006" xmlns:a14="http://schemas.microsoft.com/office/drawing/2010/main">
+        <mc:Choice Requires="a14">
           <p:sp>
             <p:nvSpPr>
               <p:cNvPr id="3" name="Inhaltsplatzhalter 2">
@@ -32385,7 +32397,7 @@
             </p:txBody>
           </p:sp>
         </mc:Choice>
-        <mc:Fallback>
+        <mc:Fallback xmlns="">
           <p:sp>
             <p:nvSpPr>
               <p:cNvPr id="3" name="Inhaltsplatzhalter 2">
